--- a/manual.pptx
+++ b/manual.pptx
@@ -104,6 +104,11 @@
       </a:defRPr>
     </a:lvl9pPr>
   </p:defaultTextStyle>
+  <p:extLst>
+    <p:ext uri="{EFAFB233-063F-42B5-8137-9DF3F51BA10A}">
+      <p15:sldGuideLst xmlns:p15="http://schemas.microsoft.com/office/powerpoint/2012/main"/>
+    </p:ext>
+  </p:extLst>
 </p:presentation>
 </file>
 
@@ -3344,10 +3349,10 @@
       </p:grpSpPr>
       <p:pic>
         <p:nvPicPr>
-          <p:cNvPr id="5" name="Picture 4">
-            <a:extLst>
-              <a:ext uri="{FF2B5EF4-FFF2-40B4-BE49-F238E27FC236}">
-                <a16:creationId xmlns:a16="http://schemas.microsoft.com/office/drawing/2014/main" id="{B553FBBB-EC3F-4E08-A821-E249DAE290D4}"/>
+          <p:cNvPr id="3" name="Picture 2">
+            <a:extLst>
+              <a:ext uri="{FF2B5EF4-FFF2-40B4-BE49-F238E27FC236}">
+                <a16:creationId xmlns:a16="http://schemas.microsoft.com/office/drawing/2014/main" id="{0A5A8E9C-3EA1-4344-A5D3-C0064D285EBE}"/>
               </a:ext>
             </a:extLst>
           </p:cNvPr>
@@ -3364,7 +3369,7 @@
         </p:blipFill>
         <p:spPr>
           <a:xfrm>
-            <a:off x="324659" y="316395"/>
+            <a:off x="324659" y="310581"/>
             <a:ext cx="5734050" cy="2990850"/>
           </a:xfrm>
           <a:prstGeom prst="rect">
@@ -3386,7 +3391,7 @@
         </p:nvSpPr>
         <p:spPr>
           <a:xfrm rot="2800952">
-            <a:off x="2066361" y="1138565"/>
+            <a:off x="2235743" y="1086099"/>
             <a:ext cx="324000" cy="324000"/>
           </a:xfrm>
           <a:prstGeom prst="rightArrow">
@@ -3440,8 +3445,8 @@
         </p:nvSpPr>
         <p:spPr>
           <a:xfrm flipH="1">
-            <a:off x="5950416" y="912336"/>
-            <a:ext cx="1197444" cy="246221"/>
+            <a:off x="5894535" y="808123"/>
+            <a:ext cx="1460336" cy="246221"/>
           </a:xfrm>
           <a:prstGeom prst="rect">
             <a:avLst/>
@@ -3461,7 +3466,7 @@
                 <a:latin typeface="Arial" panose="020B0604020202020204" pitchFamily="34" charset="0"/>
                 <a:cs typeface="Arial" panose="020B0604020202020204" pitchFamily="34" charset="0"/>
               </a:rPr>
-              <a:t> HR spectra </a:t>
+              <a:t> HR histogram </a:t>
             </a:r>
           </a:p>
         </p:txBody>
@@ -3534,7 +3539,7 @@
         </p:nvSpPr>
         <p:spPr>
           <a:xfrm flipH="1">
-            <a:off x="1141430" y="1054344"/>
+            <a:off x="1239656" y="1054344"/>
             <a:ext cx="889667" cy="246221"/>
           </a:xfrm>
           <a:prstGeom prst="rect">
@@ -3655,7 +3660,7 @@
         <p:spPr>
           <a:xfrm flipH="1">
             <a:off x="4944088" y="1969094"/>
-            <a:ext cx="463268" cy="184666"/>
+            <a:ext cx="352661" cy="184666"/>
           </a:xfrm>
           <a:prstGeom prst="rect">
             <a:avLst/>
@@ -3675,7 +3680,7 @@
                 <a:latin typeface="Arial" panose="020B0604020202020204" pitchFamily="34" charset="0"/>
                 <a:cs typeface="Arial" panose="020B0604020202020204" pitchFamily="34" charset="0"/>
               </a:rPr>
-              <a:t> f (Hz) </a:t>
+              <a:t> f (s) </a:t>
             </a:r>
           </a:p>
         </p:txBody>
@@ -3907,7 +3912,7 @@
                 <a:latin typeface="Arial" panose="020B0604020202020204" pitchFamily="34" charset="0"/>
                 <a:cs typeface="Arial" panose="020B0604020202020204" pitchFamily="34" charset="0"/>
               </a:rPr>
-              <a:t>” = low / mid / high bands (in Hz), respectively;  </a:t>
+              <a:t>” = low / mid / high bands (in seconds not Hz), respectively;  </a:t>
             </a:r>
           </a:p>
           <a:p>

--- a/manual.pptx
+++ b/manual.pptx
@@ -104,11 +104,6 @@
       </a:defRPr>
     </a:lvl9pPr>
   </p:defaultTextStyle>
-  <p:extLst>
-    <p:ext uri="{EFAFB233-063F-42B5-8137-9DF3F51BA10A}">
-      <p15:sldGuideLst xmlns:p15="http://schemas.microsoft.com/office/powerpoint/2012/main"/>
-    </p:ext>
-  </p:extLst>
 </p:presentation>
 </file>
 
@@ -3349,10 +3344,10 @@
       </p:grpSpPr>
       <p:pic>
         <p:nvPicPr>
-          <p:cNvPr id="3" name="Picture 2">
-            <a:extLst>
-              <a:ext uri="{FF2B5EF4-FFF2-40B4-BE49-F238E27FC236}">
-                <a16:creationId xmlns:a16="http://schemas.microsoft.com/office/drawing/2014/main" id="{0A5A8E9C-3EA1-4344-A5D3-C0064D285EBE}"/>
+          <p:cNvPr id="5" name="Picture 4">
+            <a:extLst>
+              <a:ext uri="{FF2B5EF4-FFF2-40B4-BE49-F238E27FC236}">
+                <a16:creationId xmlns:a16="http://schemas.microsoft.com/office/drawing/2014/main" id="{B553FBBB-EC3F-4E08-A821-E249DAE290D4}"/>
               </a:ext>
             </a:extLst>
           </p:cNvPr>
@@ -3369,7 +3364,7 @@
         </p:blipFill>
         <p:spPr>
           <a:xfrm>
-            <a:off x="324659" y="310581"/>
+            <a:off x="324659" y="316395"/>
             <a:ext cx="5734050" cy="2990850"/>
           </a:xfrm>
           <a:prstGeom prst="rect">
@@ -3391,7 +3386,7 @@
         </p:nvSpPr>
         <p:spPr>
           <a:xfrm rot="2800952">
-            <a:off x="2235743" y="1086099"/>
+            <a:off x="2066361" y="1138565"/>
             <a:ext cx="324000" cy="324000"/>
           </a:xfrm>
           <a:prstGeom prst="rightArrow">
@@ -3445,8 +3440,8 @@
         </p:nvSpPr>
         <p:spPr>
           <a:xfrm flipH="1">
-            <a:off x="5894535" y="808123"/>
-            <a:ext cx="1460336" cy="246221"/>
+            <a:off x="5950416" y="912336"/>
+            <a:ext cx="1197444" cy="246221"/>
           </a:xfrm>
           <a:prstGeom prst="rect">
             <a:avLst/>
@@ -3466,7 +3461,7 @@
                 <a:latin typeface="Arial" panose="020B0604020202020204" pitchFamily="34" charset="0"/>
                 <a:cs typeface="Arial" panose="020B0604020202020204" pitchFamily="34" charset="0"/>
               </a:rPr>
-              <a:t> HR histogram </a:t>
+              <a:t> HR spectra </a:t>
             </a:r>
           </a:p>
         </p:txBody>
@@ -3539,7 +3534,7 @@
         </p:nvSpPr>
         <p:spPr>
           <a:xfrm flipH="1">
-            <a:off x="1239656" y="1054344"/>
+            <a:off x="1141430" y="1054344"/>
             <a:ext cx="889667" cy="246221"/>
           </a:xfrm>
           <a:prstGeom prst="rect">
@@ -3660,7 +3655,7 @@
         <p:spPr>
           <a:xfrm flipH="1">
             <a:off x="4944088" y="1969094"/>
-            <a:ext cx="352661" cy="184666"/>
+            <a:ext cx="463268" cy="184666"/>
           </a:xfrm>
           <a:prstGeom prst="rect">
             <a:avLst/>
@@ -3680,7 +3675,7 @@
                 <a:latin typeface="Arial" panose="020B0604020202020204" pitchFamily="34" charset="0"/>
                 <a:cs typeface="Arial" panose="020B0604020202020204" pitchFamily="34" charset="0"/>
               </a:rPr>
-              <a:t> f (s) </a:t>
+              <a:t> f (Hz) </a:t>
             </a:r>
           </a:p>
         </p:txBody>
@@ -3912,7 +3907,7 @@
                 <a:latin typeface="Arial" panose="020B0604020202020204" pitchFamily="34" charset="0"/>
                 <a:cs typeface="Arial" panose="020B0604020202020204" pitchFamily="34" charset="0"/>
               </a:rPr>
-              <a:t>” = low / mid / high bands (in seconds not Hz), respectively;  </a:t>
+              <a:t>” = low / mid / high bands (in Hz), respectively;  </a:t>
             </a:r>
           </a:p>
           <a:p>

--- a/manual.pptx
+++ b/manual.pptx
@@ -6,6 +6,7 @@
   </p:sldMasterIdLst>
   <p:sldIdLst>
     <p:sldId id="256" r:id="rId2"/>
+    <p:sldId id="257" r:id="rId3"/>
   </p:sldIdLst>
   <p:sldSz cx="12192000" cy="6858000"/>
   <p:notesSz cx="6858000" cy="9144000"/>
@@ -104,6 +105,11 @@
       </a:defRPr>
     </a:lvl9pPr>
   </p:defaultTextStyle>
+  <p:extLst>
+    <p:ext uri="{EFAFB233-063F-42B5-8137-9DF3F51BA10A}">
+      <p15:sldGuideLst xmlns:p15="http://schemas.microsoft.com/office/powerpoint/2012/main"/>
+    </p:ext>
+  </p:extLst>
 </p:presentation>
 </file>
 
@@ -256,7 +262,7 @@
           <a:p>
             <a:fld id="{1E777508-B87D-4A2D-A8CD-B89EA8F94050}" type="datetimeFigureOut">
               <a:rPr lang="en-GB" smtClean="0"/>
-              <a:t>09/03/2021</a:t>
+              <a:t>10/03/2021</a:t>
             </a:fld>
             <a:endParaRPr lang="en-GB"/>
           </a:p>
@@ -456,7 +462,7 @@
           <a:p>
             <a:fld id="{1E777508-B87D-4A2D-A8CD-B89EA8F94050}" type="datetimeFigureOut">
               <a:rPr lang="en-GB" smtClean="0"/>
-              <a:t>09/03/2021</a:t>
+              <a:t>10/03/2021</a:t>
             </a:fld>
             <a:endParaRPr lang="en-GB"/>
           </a:p>
@@ -666,7 +672,7 @@
           <a:p>
             <a:fld id="{1E777508-B87D-4A2D-A8CD-B89EA8F94050}" type="datetimeFigureOut">
               <a:rPr lang="en-GB" smtClean="0"/>
-              <a:t>09/03/2021</a:t>
+              <a:t>10/03/2021</a:t>
             </a:fld>
             <a:endParaRPr lang="en-GB"/>
           </a:p>
@@ -866,7 +872,7 @@
           <a:p>
             <a:fld id="{1E777508-B87D-4A2D-A8CD-B89EA8F94050}" type="datetimeFigureOut">
               <a:rPr lang="en-GB" smtClean="0"/>
-              <a:t>09/03/2021</a:t>
+              <a:t>10/03/2021</a:t>
             </a:fld>
             <a:endParaRPr lang="en-GB"/>
           </a:p>
@@ -1142,7 +1148,7 @@
           <a:p>
             <a:fld id="{1E777508-B87D-4A2D-A8CD-B89EA8F94050}" type="datetimeFigureOut">
               <a:rPr lang="en-GB" smtClean="0"/>
-              <a:t>09/03/2021</a:t>
+              <a:t>10/03/2021</a:t>
             </a:fld>
             <a:endParaRPr lang="en-GB"/>
           </a:p>
@@ -1410,7 +1416,7 @@
           <a:p>
             <a:fld id="{1E777508-B87D-4A2D-A8CD-B89EA8F94050}" type="datetimeFigureOut">
               <a:rPr lang="en-GB" smtClean="0"/>
-              <a:t>09/03/2021</a:t>
+              <a:t>10/03/2021</a:t>
             </a:fld>
             <a:endParaRPr lang="en-GB"/>
           </a:p>
@@ -1825,7 +1831,7 @@
           <a:p>
             <a:fld id="{1E777508-B87D-4A2D-A8CD-B89EA8F94050}" type="datetimeFigureOut">
               <a:rPr lang="en-GB" smtClean="0"/>
-              <a:t>09/03/2021</a:t>
+              <a:t>10/03/2021</a:t>
             </a:fld>
             <a:endParaRPr lang="en-GB"/>
           </a:p>
@@ -1967,7 +1973,7 @@
           <a:p>
             <a:fld id="{1E777508-B87D-4A2D-A8CD-B89EA8F94050}" type="datetimeFigureOut">
               <a:rPr lang="en-GB" smtClean="0"/>
-              <a:t>09/03/2021</a:t>
+              <a:t>10/03/2021</a:t>
             </a:fld>
             <a:endParaRPr lang="en-GB"/>
           </a:p>
@@ -2080,7 +2086,7 @@
           <a:p>
             <a:fld id="{1E777508-B87D-4A2D-A8CD-B89EA8F94050}" type="datetimeFigureOut">
               <a:rPr lang="en-GB" smtClean="0"/>
-              <a:t>09/03/2021</a:t>
+              <a:t>10/03/2021</a:t>
             </a:fld>
             <a:endParaRPr lang="en-GB"/>
           </a:p>
@@ -2393,7 +2399,7 @@
           <a:p>
             <a:fld id="{1E777508-B87D-4A2D-A8CD-B89EA8F94050}" type="datetimeFigureOut">
               <a:rPr lang="en-GB" smtClean="0"/>
-              <a:t>09/03/2021</a:t>
+              <a:t>10/03/2021</a:t>
             </a:fld>
             <a:endParaRPr lang="en-GB"/>
           </a:p>
@@ -2682,7 +2688,7 @@
           <a:p>
             <a:fld id="{1E777508-B87D-4A2D-A8CD-B89EA8F94050}" type="datetimeFigureOut">
               <a:rPr lang="en-GB" smtClean="0"/>
-              <a:t>09/03/2021</a:t>
+              <a:t>10/03/2021</a:t>
             </a:fld>
             <a:endParaRPr lang="en-GB"/>
           </a:p>
@@ -2925,7 +2931,7 @@
           <a:p>
             <a:fld id="{1E777508-B87D-4A2D-A8CD-B89EA8F94050}" type="datetimeFigureOut">
               <a:rPr lang="en-GB" smtClean="0"/>
-              <a:t>09/03/2021</a:t>
+              <a:t>10/03/2021</a:t>
             </a:fld>
             <a:endParaRPr lang="en-GB"/>
           </a:p>
@@ -4536,10 +4542,1321 @@
           </a:p>
         </p:txBody>
       </p:sp>
+      <p:pic>
+        <p:nvPicPr>
+          <p:cNvPr id="3" name="Picture 2">
+            <a:extLst>
+              <a:ext uri="{FF2B5EF4-FFF2-40B4-BE49-F238E27FC236}">
+                <a16:creationId xmlns:a16="http://schemas.microsoft.com/office/drawing/2014/main" id="{9D9D9B82-1218-440C-9974-BEF22B1D5B88}"/>
+              </a:ext>
+            </a:extLst>
+          </p:cNvPr>
+          <p:cNvPicPr>
+            <a:picLocks noChangeAspect="1"/>
+          </p:cNvPicPr>
+          <p:nvPr/>
+        </p:nvPicPr>
+        <p:blipFill rotWithShape="1">
+          <a:blip r:embed="rId3"/>
+          <a:srcRect t="62129"/>
+          <a:stretch/>
+        </p:blipFill>
+        <p:spPr>
+          <a:xfrm>
+            <a:off x="324659" y="2174573"/>
+            <a:ext cx="5734050" cy="1132672"/>
+          </a:xfrm>
+          <a:prstGeom prst="rect">
+            <a:avLst/>
+          </a:prstGeom>
+        </p:spPr>
+      </p:pic>
+      <p:pic>
+        <p:nvPicPr>
+          <p:cNvPr id="6" name="Picture 5">
+            <a:extLst>
+              <a:ext uri="{FF2B5EF4-FFF2-40B4-BE49-F238E27FC236}">
+                <a16:creationId xmlns:a16="http://schemas.microsoft.com/office/drawing/2014/main" id="{F93A287E-CBCB-4464-B3F8-FB66AC0C4168}"/>
+              </a:ext>
+            </a:extLst>
+          </p:cNvPr>
+          <p:cNvPicPr>
+            <a:picLocks noChangeAspect="1"/>
+          </p:cNvPicPr>
+          <p:nvPr/>
+        </p:nvPicPr>
+        <p:blipFill rotWithShape="1">
+          <a:blip r:embed="rId4"/>
+          <a:srcRect t="62129"/>
+          <a:stretch/>
+        </p:blipFill>
+        <p:spPr>
+          <a:xfrm>
+            <a:off x="324659" y="2174573"/>
+            <a:ext cx="5734050" cy="1132672"/>
+          </a:xfrm>
+          <a:prstGeom prst="rect">
+            <a:avLst/>
+          </a:prstGeom>
+        </p:spPr>
+      </p:pic>
     </p:spTree>
     <p:extLst>
       <p:ext uri="{BB962C8B-B14F-4D97-AF65-F5344CB8AC3E}">
         <p14:creationId xmlns:p14="http://schemas.microsoft.com/office/powerpoint/2010/main" val="733238928"/>
+      </p:ext>
+    </p:extLst>
+  </p:cSld>
+  <p:clrMapOvr>
+    <a:masterClrMapping/>
+  </p:clrMapOvr>
+</p:sld>
+</file>
+
+<file path=ppt/slides/slide2.xml><?xml version="1.0" encoding="utf-8"?>
+<p:sld xmlns:a="http://schemas.openxmlformats.org/drawingml/2006/main" xmlns:r="http://schemas.openxmlformats.org/officeDocument/2006/relationships" xmlns:p="http://schemas.openxmlformats.org/presentationml/2006/main">
+  <p:cSld>
+    <p:spTree>
+      <p:nvGrpSpPr>
+        <p:cNvPr id="1" name=""/>
+        <p:cNvGrpSpPr/>
+        <p:nvPr/>
+      </p:nvGrpSpPr>
+      <p:grpSpPr>
+        <a:xfrm>
+          <a:off x="0" y="0"/>
+          <a:ext cx="0" cy="0"/>
+          <a:chOff x="0" y="0"/>
+          <a:chExt cx="0" cy="0"/>
+        </a:xfrm>
+      </p:grpSpPr>
+      <p:pic>
+        <p:nvPicPr>
+          <p:cNvPr id="3" name="Picture 2">
+            <a:extLst>
+              <a:ext uri="{FF2B5EF4-FFF2-40B4-BE49-F238E27FC236}">
+                <a16:creationId xmlns:a16="http://schemas.microsoft.com/office/drawing/2014/main" id="{0A5A8E9C-3EA1-4344-A5D3-C0064D285EBE}"/>
+              </a:ext>
+            </a:extLst>
+          </p:cNvPr>
+          <p:cNvPicPr>
+            <a:picLocks noChangeAspect="1"/>
+          </p:cNvPicPr>
+          <p:nvPr/>
+        </p:nvPicPr>
+        <p:blipFill>
+          <a:blip r:embed="rId2"/>
+          <a:stretch>
+            <a:fillRect/>
+          </a:stretch>
+        </p:blipFill>
+        <p:spPr>
+          <a:xfrm>
+            <a:off x="324659" y="310581"/>
+            <a:ext cx="5734050" cy="2990850"/>
+          </a:xfrm>
+          <a:prstGeom prst="rect">
+            <a:avLst/>
+          </a:prstGeom>
+        </p:spPr>
+      </p:pic>
+      <p:sp>
+        <p:nvSpPr>
+          <p:cNvPr id="7" name="Arrow: Right 6">
+            <a:extLst>
+              <a:ext uri="{FF2B5EF4-FFF2-40B4-BE49-F238E27FC236}">
+                <a16:creationId xmlns:a16="http://schemas.microsoft.com/office/drawing/2014/main" id="{9E1D1942-A5F8-481E-8CB3-014D552B94E0}"/>
+              </a:ext>
+            </a:extLst>
+          </p:cNvPr>
+          <p:cNvSpPr/>
+          <p:nvPr/>
+        </p:nvSpPr>
+        <p:spPr>
+          <a:xfrm rot="2800952">
+            <a:off x="2235743" y="1086099"/>
+            <a:ext cx="324000" cy="324000"/>
+          </a:xfrm>
+          <a:prstGeom prst="rightArrow">
+            <a:avLst/>
+          </a:prstGeom>
+          <a:solidFill>
+            <a:schemeClr val="bg1"/>
+          </a:solidFill>
+          <a:ln w="28575">
+            <a:solidFill>
+              <a:srgbClr val="FF0000"/>
+            </a:solidFill>
+          </a:ln>
+        </p:spPr>
+        <p:style>
+          <a:lnRef idx="2">
+            <a:schemeClr val="accent1">
+              <a:shade val="50000"/>
+            </a:schemeClr>
+          </a:lnRef>
+          <a:fillRef idx="1">
+            <a:schemeClr val="accent1"/>
+          </a:fillRef>
+          <a:effectRef idx="0">
+            <a:schemeClr val="accent1"/>
+          </a:effectRef>
+          <a:fontRef idx="minor">
+            <a:schemeClr val="lt1"/>
+          </a:fontRef>
+        </p:style>
+        <p:txBody>
+          <a:bodyPr rtlCol="0" anchor="ctr"/>
+          <a:lstStyle/>
+          <a:p>
+            <a:pPr algn="ctr"/>
+            <a:endParaRPr lang="en-GB"/>
+          </a:p>
+        </p:txBody>
+      </p:sp>
+      <p:sp>
+        <p:nvSpPr>
+          <p:cNvPr id="8" name="TextBox 7">
+            <a:extLst>
+              <a:ext uri="{FF2B5EF4-FFF2-40B4-BE49-F238E27FC236}">
+                <a16:creationId xmlns:a16="http://schemas.microsoft.com/office/drawing/2014/main" id="{E497C7AE-0C52-4FD7-8632-63D44179D554}"/>
+              </a:ext>
+            </a:extLst>
+          </p:cNvPr>
+          <p:cNvSpPr txBox="1"/>
+          <p:nvPr/>
+        </p:nvSpPr>
+        <p:spPr>
+          <a:xfrm flipH="1">
+            <a:off x="5894535" y="808123"/>
+            <a:ext cx="1460336" cy="246221"/>
+          </a:xfrm>
+          <a:prstGeom prst="rect">
+            <a:avLst/>
+          </a:prstGeom>
+          <a:solidFill>
+            <a:schemeClr val="bg1"/>
+          </a:solidFill>
+        </p:spPr>
+        <p:txBody>
+          <a:bodyPr wrap="none" lIns="0" tIns="0" rIns="0" bIns="0" rtlCol="0">
+            <a:spAutoFit/>
+          </a:bodyPr>
+          <a:lstStyle/>
+          <a:p>
+            <a:r>
+              <a:rPr lang="en-GB" sz="1600" b="1" dirty="0">
+                <a:latin typeface="Arial" panose="020B0604020202020204" pitchFamily="34" charset="0"/>
+                <a:cs typeface="Arial" panose="020B0604020202020204" pitchFamily="34" charset="0"/>
+              </a:rPr>
+              <a:t> HR histogram </a:t>
+            </a:r>
+          </a:p>
+        </p:txBody>
+      </p:sp>
+      <p:sp>
+        <p:nvSpPr>
+          <p:cNvPr id="9" name="Arrow: Right 8">
+            <a:extLst>
+              <a:ext uri="{FF2B5EF4-FFF2-40B4-BE49-F238E27FC236}">
+                <a16:creationId xmlns:a16="http://schemas.microsoft.com/office/drawing/2014/main" id="{FA498492-E3A0-4A24-8FAB-8B5D44018842}"/>
+              </a:ext>
+            </a:extLst>
+          </p:cNvPr>
+          <p:cNvSpPr/>
+          <p:nvPr/>
+        </p:nvSpPr>
+        <p:spPr>
+          <a:xfrm rot="18799048" flipH="1">
+            <a:off x="5540845" y="1015455"/>
+            <a:ext cx="324000" cy="324000"/>
+          </a:xfrm>
+          <a:prstGeom prst="rightArrow">
+            <a:avLst/>
+          </a:prstGeom>
+          <a:solidFill>
+            <a:schemeClr val="bg1"/>
+          </a:solidFill>
+          <a:ln w="28575">
+            <a:solidFill>
+              <a:srgbClr val="FF0000"/>
+            </a:solidFill>
+          </a:ln>
+        </p:spPr>
+        <p:style>
+          <a:lnRef idx="2">
+            <a:schemeClr val="accent1">
+              <a:shade val="50000"/>
+            </a:schemeClr>
+          </a:lnRef>
+          <a:fillRef idx="1">
+            <a:schemeClr val="accent1"/>
+          </a:fillRef>
+          <a:effectRef idx="0">
+            <a:schemeClr val="accent1"/>
+          </a:effectRef>
+          <a:fontRef idx="minor">
+            <a:schemeClr val="lt1"/>
+          </a:fontRef>
+        </p:style>
+        <p:txBody>
+          <a:bodyPr rtlCol="0" anchor="ctr"/>
+          <a:lstStyle/>
+          <a:p>
+            <a:pPr algn="ctr"/>
+            <a:endParaRPr lang="en-GB"/>
+          </a:p>
+        </p:txBody>
+      </p:sp>
+      <p:sp>
+        <p:nvSpPr>
+          <p:cNvPr id="10" name="TextBox 9">
+            <a:extLst>
+              <a:ext uri="{FF2B5EF4-FFF2-40B4-BE49-F238E27FC236}">
+                <a16:creationId xmlns:a16="http://schemas.microsoft.com/office/drawing/2014/main" id="{41F0FEC8-6D90-4227-BA05-07E86CFD64AA}"/>
+              </a:ext>
+            </a:extLst>
+          </p:cNvPr>
+          <p:cNvSpPr txBox="1"/>
+          <p:nvPr/>
+        </p:nvSpPr>
+        <p:spPr>
+          <a:xfrm flipH="1">
+            <a:off x="1239656" y="1054344"/>
+            <a:ext cx="889667" cy="246221"/>
+          </a:xfrm>
+          <a:prstGeom prst="rect">
+            <a:avLst/>
+          </a:prstGeom>
+          <a:solidFill>
+            <a:schemeClr val="bg1"/>
+          </a:solidFill>
+        </p:spPr>
+        <p:txBody>
+          <a:bodyPr wrap="none" lIns="0" tIns="0" rIns="0" bIns="0" rtlCol="0">
+            <a:spAutoFit/>
+          </a:bodyPr>
+          <a:lstStyle/>
+          <a:p>
+            <a:r>
+              <a:rPr lang="en-GB" sz="1600" b="1" dirty="0">
+                <a:latin typeface="Arial" panose="020B0604020202020204" pitchFamily="34" charset="0"/>
+                <a:cs typeface="Arial" panose="020B0604020202020204" pitchFamily="34" charset="0"/>
+              </a:rPr>
+              <a:t> HR data </a:t>
+            </a:r>
+          </a:p>
+        </p:txBody>
+      </p:sp>
+      <p:sp>
+        <p:nvSpPr>
+          <p:cNvPr id="14" name="TextBox 13">
+            <a:extLst>
+              <a:ext uri="{FF2B5EF4-FFF2-40B4-BE49-F238E27FC236}">
+                <a16:creationId xmlns:a16="http://schemas.microsoft.com/office/drawing/2014/main" id="{3260511F-C71F-432E-9C88-F302F111521D}"/>
+              </a:ext>
+            </a:extLst>
+          </p:cNvPr>
+          <p:cNvSpPr txBox="1"/>
+          <p:nvPr/>
+        </p:nvSpPr>
+        <p:spPr>
+          <a:xfrm flipH="1">
+            <a:off x="2212039" y="1969393"/>
+            <a:ext cx="657231" cy="184666"/>
+          </a:xfrm>
+          <a:prstGeom prst="rect">
+            <a:avLst/>
+          </a:prstGeom>
+          <a:solidFill>
+            <a:schemeClr val="bg1"/>
+          </a:solidFill>
+        </p:spPr>
+        <p:txBody>
+          <a:bodyPr wrap="none" lIns="0" tIns="0" rIns="0" bIns="0" rtlCol="0">
+            <a:spAutoFit/>
+          </a:bodyPr>
+          <a:lstStyle/>
+          <a:p>
+            <a:r>
+              <a:rPr lang="en-GB" sz="1200" dirty="0">
+                <a:latin typeface="Arial" panose="020B0604020202020204" pitchFamily="34" charset="0"/>
+                <a:cs typeface="Arial" panose="020B0604020202020204" pitchFamily="34" charset="0"/>
+              </a:rPr>
+              <a:t> samples </a:t>
+            </a:r>
+          </a:p>
+        </p:txBody>
+      </p:sp>
+      <p:sp>
+        <p:nvSpPr>
+          <p:cNvPr id="15" name="TextBox 14">
+            <a:extLst>
+              <a:ext uri="{FF2B5EF4-FFF2-40B4-BE49-F238E27FC236}">
+                <a16:creationId xmlns:a16="http://schemas.microsoft.com/office/drawing/2014/main" id="{434FB3E4-1076-4F25-AEBA-1EDF42D4B693}"/>
+              </a:ext>
+            </a:extLst>
+          </p:cNvPr>
+          <p:cNvSpPr txBox="1"/>
+          <p:nvPr/>
+        </p:nvSpPr>
+        <p:spPr>
+          <a:xfrm rot="16200000" flipH="1">
+            <a:off x="255476" y="1340580"/>
+            <a:ext cx="455253" cy="184666"/>
+          </a:xfrm>
+          <a:prstGeom prst="rect">
+            <a:avLst/>
+          </a:prstGeom>
+          <a:solidFill>
+            <a:schemeClr val="bg1"/>
+          </a:solidFill>
+        </p:spPr>
+        <p:txBody>
+          <a:bodyPr wrap="none" lIns="0" tIns="0" rIns="0" bIns="0" rtlCol="0">
+            <a:spAutoFit/>
+          </a:bodyPr>
+          <a:lstStyle/>
+          <a:p>
+            <a:r>
+              <a:rPr lang="en-GB" sz="1200" dirty="0">
+                <a:latin typeface="Arial" panose="020B0604020202020204" pitchFamily="34" charset="0"/>
+                <a:cs typeface="Arial" panose="020B0604020202020204" pitchFamily="34" charset="0"/>
+              </a:rPr>
+              <a:t> IBI (s)</a:t>
+            </a:r>
+          </a:p>
+        </p:txBody>
+      </p:sp>
+      <p:sp>
+        <p:nvSpPr>
+          <p:cNvPr id="16" name="TextBox 15">
+            <a:extLst>
+              <a:ext uri="{FF2B5EF4-FFF2-40B4-BE49-F238E27FC236}">
+                <a16:creationId xmlns:a16="http://schemas.microsoft.com/office/drawing/2014/main" id="{4E0C433E-567C-424E-8C26-C39AFDB97EA8}"/>
+              </a:ext>
+            </a:extLst>
+          </p:cNvPr>
+          <p:cNvSpPr txBox="1"/>
+          <p:nvPr/>
+        </p:nvSpPr>
+        <p:spPr>
+          <a:xfrm flipH="1">
+            <a:off x="4944088" y="1969094"/>
+            <a:ext cx="352661" cy="184666"/>
+          </a:xfrm>
+          <a:prstGeom prst="rect">
+            <a:avLst/>
+          </a:prstGeom>
+          <a:solidFill>
+            <a:schemeClr val="bg1"/>
+          </a:solidFill>
+        </p:spPr>
+        <p:txBody>
+          <a:bodyPr wrap="none" lIns="0" tIns="0" rIns="0" bIns="0" rtlCol="0">
+            <a:spAutoFit/>
+          </a:bodyPr>
+          <a:lstStyle/>
+          <a:p>
+            <a:r>
+              <a:rPr lang="en-GB" sz="1200" dirty="0">
+                <a:latin typeface="Arial" panose="020B0604020202020204" pitchFamily="34" charset="0"/>
+                <a:cs typeface="Arial" panose="020B0604020202020204" pitchFamily="34" charset="0"/>
+              </a:rPr>
+              <a:t> f (s) </a:t>
+            </a:r>
+          </a:p>
+        </p:txBody>
+      </p:sp>
+      <p:sp>
+        <p:nvSpPr>
+          <p:cNvPr id="18" name="TextBox 17">
+            <a:extLst>
+              <a:ext uri="{FF2B5EF4-FFF2-40B4-BE49-F238E27FC236}">
+                <a16:creationId xmlns:a16="http://schemas.microsoft.com/office/drawing/2014/main" id="{687FF546-83E6-4347-BB6F-D077B77F5662}"/>
+              </a:ext>
+            </a:extLst>
+          </p:cNvPr>
+          <p:cNvSpPr txBox="1"/>
+          <p:nvPr/>
+        </p:nvSpPr>
+        <p:spPr>
+          <a:xfrm flipH="1">
+            <a:off x="324659" y="3806459"/>
+            <a:ext cx="11622516" cy="2708434"/>
+          </a:xfrm>
+          <a:prstGeom prst="rect">
+            <a:avLst/>
+          </a:prstGeom>
+          <a:solidFill>
+            <a:schemeClr val="bg1"/>
+          </a:solidFill>
+        </p:spPr>
+        <p:txBody>
+          <a:bodyPr wrap="square" lIns="0" tIns="0" rIns="0" bIns="0" rtlCol="0">
+            <a:spAutoFit/>
+          </a:bodyPr>
+          <a:lstStyle/>
+          <a:p>
+            <a:pPr>
+              <a:spcBef>
+                <a:spcPts val="600"/>
+              </a:spcBef>
+            </a:pPr>
+            <a:r>
+              <a:rPr lang="en-GB" sz="1600" b="1" dirty="0">
+                <a:latin typeface="Arial" panose="020B0604020202020204" pitchFamily="34" charset="0"/>
+                <a:cs typeface="Arial" panose="020B0604020202020204" pitchFamily="34" charset="0"/>
+              </a:rPr>
+              <a:t>Options</a:t>
+            </a:r>
+          </a:p>
+          <a:p>
+            <a:pPr>
+              <a:spcBef>
+                <a:spcPts val="600"/>
+              </a:spcBef>
+            </a:pPr>
+            <a:endParaRPr lang="en-GB" sz="800" b="1" dirty="0">
+              <a:latin typeface="Arial" panose="020B0604020202020204" pitchFamily="34" charset="0"/>
+              <a:cs typeface="Arial" panose="020B0604020202020204" pitchFamily="34" charset="0"/>
+            </a:endParaRPr>
+          </a:p>
+          <a:p>
+            <a:pPr marL="285750" indent="-285750">
+              <a:spcBef>
+                <a:spcPts val="600"/>
+              </a:spcBef>
+              <a:buFont typeface="Arial" panose="020B0604020202020204" pitchFamily="34" charset="0"/>
+              <a:buChar char="•"/>
+            </a:pPr>
+            <a:r>
+              <a:rPr lang="en-GB" sz="1600" dirty="0">
+                <a:latin typeface="Arial" panose="020B0604020202020204" pitchFamily="34" charset="0"/>
+                <a:cs typeface="Arial" panose="020B0604020202020204" pitchFamily="34" charset="0"/>
+              </a:rPr>
+              <a:t>“</a:t>
+            </a:r>
+            <a:r>
+              <a:rPr lang="en-GB" sz="1600" b="1" dirty="0">
+                <a:latin typeface="Arial" panose="020B0604020202020204" pitchFamily="34" charset="0"/>
+                <a:cs typeface="Arial" panose="020B0604020202020204" pitchFamily="34" charset="0"/>
+              </a:rPr>
+              <a:t>Load data</a:t>
+            </a:r>
+            <a:r>
+              <a:rPr lang="en-GB" sz="1600" dirty="0">
+                <a:latin typeface="Arial" panose="020B0604020202020204" pitchFamily="34" charset="0"/>
+                <a:cs typeface="Arial" panose="020B0604020202020204" pitchFamily="34" charset="0"/>
+              </a:rPr>
+              <a:t>” = file from which data will be loaded (in </a:t>
+            </a:r>
+            <a:r>
+              <a:rPr lang="en-GB" sz="1600" b="1" dirty="0">
+                <a:latin typeface="Arial" panose="020B0604020202020204" pitchFamily="34" charset="0"/>
+                <a:cs typeface="Arial" panose="020B0604020202020204" pitchFamily="34" charset="0"/>
+              </a:rPr>
+              <a:t>Offline</a:t>
+            </a:r>
+            <a:r>
+              <a:rPr lang="en-GB" sz="1600" dirty="0">
+                <a:latin typeface="Arial" panose="020B0604020202020204" pitchFamily="34" charset="0"/>
+                <a:cs typeface="Arial" panose="020B0604020202020204" pitchFamily="34" charset="0"/>
+              </a:rPr>
+              <a:t> regime); if “</a:t>
+            </a:r>
+            <a:r>
+              <a:rPr lang="en-GB" sz="1600" b="1" dirty="0">
+                <a:latin typeface="Arial" panose="020B0604020202020204" pitchFamily="34" charset="0"/>
+                <a:cs typeface="Arial" panose="020B0604020202020204" pitchFamily="34" charset="0"/>
+              </a:rPr>
+              <a:t>Load data</a:t>
+            </a:r>
+            <a:r>
+              <a:rPr lang="en-GB" sz="1600" dirty="0">
+                <a:latin typeface="Arial" panose="020B0604020202020204" pitchFamily="34" charset="0"/>
+                <a:cs typeface="Arial" panose="020B0604020202020204" pitchFamily="34" charset="0"/>
+              </a:rPr>
+              <a:t>” is empty random data will be generated.</a:t>
+            </a:r>
+          </a:p>
+          <a:p>
+            <a:pPr marL="285750" indent="-285750">
+              <a:spcBef>
+                <a:spcPts val="600"/>
+              </a:spcBef>
+              <a:buFont typeface="Arial" panose="020B0604020202020204" pitchFamily="34" charset="0"/>
+              <a:buChar char="•"/>
+            </a:pPr>
+            <a:r>
+              <a:rPr lang="en-GB" sz="1600" dirty="0">
+                <a:latin typeface="Arial" panose="020B0604020202020204" pitchFamily="34" charset="0"/>
+                <a:cs typeface="Arial" panose="020B0604020202020204" pitchFamily="34" charset="0"/>
+              </a:rPr>
+              <a:t>“</a:t>
+            </a:r>
+            <a:r>
+              <a:rPr lang="en-GB" sz="1600" b="1" dirty="0">
+                <a:latin typeface="Arial" panose="020B0604020202020204" pitchFamily="34" charset="0"/>
+                <a:cs typeface="Arial" panose="020B0604020202020204" pitchFamily="34" charset="0"/>
+              </a:rPr>
+              <a:t>Save data</a:t>
+            </a:r>
+            <a:r>
+              <a:rPr lang="en-GB" sz="1600" dirty="0">
+                <a:latin typeface="Arial" panose="020B0604020202020204" pitchFamily="34" charset="0"/>
+                <a:cs typeface="Arial" panose="020B0604020202020204" pitchFamily="34" charset="0"/>
+              </a:rPr>
+              <a:t>” = file to which data will be saved; name of the file is generated automatically as R_MMDDmmss.txt</a:t>
+            </a:r>
+          </a:p>
+          <a:p>
+            <a:pPr marL="285750" indent="-285750">
+              <a:spcBef>
+                <a:spcPts val="600"/>
+              </a:spcBef>
+              <a:buFont typeface="Arial" panose="020B0604020202020204" pitchFamily="34" charset="0"/>
+              <a:buChar char="•"/>
+            </a:pPr>
+            <a:r>
+              <a:rPr lang="en-GB" sz="1600" dirty="0">
+                <a:latin typeface="Arial" panose="020B0604020202020204" pitchFamily="34" charset="0"/>
+                <a:cs typeface="Arial" panose="020B0604020202020204" pitchFamily="34" charset="0"/>
+              </a:rPr>
+              <a:t> “</a:t>
+            </a:r>
+            <a:r>
+              <a:rPr lang="en-GB" sz="1600" b="1" dirty="0" err="1">
+                <a:latin typeface="Arial" panose="020B0604020202020204" pitchFamily="34" charset="0"/>
+                <a:cs typeface="Arial" panose="020B0604020202020204" pitchFamily="34" charset="0"/>
+              </a:rPr>
+              <a:t>BufLen</a:t>
+            </a:r>
+            <a:r>
+              <a:rPr lang="en-GB" sz="1600" dirty="0">
+                <a:latin typeface="Arial" panose="020B0604020202020204" pitchFamily="34" charset="0"/>
+                <a:cs typeface="Arial" panose="020B0604020202020204" pitchFamily="34" charset="0"/>
+              </a:rPr>
+              <a:t>” = length of data buffer (in samples);</a:t>
+            </a:r>
+          </a:p>
+          <a:p>
+            <a:pPr marL="285750" indent="-285750">
+              <a:spcBef>
+                <a:spcPts val="600"/>
+              </a:spcBef>
+              <a:buFont typeface="Arial" panose="020B0604020202020204" pitchFamily="34" charset="0"/>
+              <a:buChar char="•"/>
+            </a:pPr>
+            <a:r>
+              <a:rPr lang="en-GB" sz="1600" dirty="0">
+                <a:latin typeface="Arial" panose="020B0604020202020204" pitchFamily="34" charset="0"/>
+                <a:cs typeface="Arial" panose="020B0604020202020204" pitchFamily="34" charset="0"/>
+              </a:rPr>
+              <a:t>“</a:t>
+            </a:r>
+            <a:r>
+              <a:rPr lang="en-GB" sz="1600" b="1" dirty="0">
+                <a:latin typeface="Arial" panose="020B0604020202020204" pitchFamily="34" charset="0"/>
+                <a:cs typeface="Arial" panose="020B0604020202020204" pitchFamily="34" charset="0"/>
+              </a:rPr>
+              <a:t>LF</a:t>
+            </a:r>
+            <a:r>
+              <a:rPr lang="en-GB" sz="1600" dirty="0">
+                <a:latin typeface="Arial" panose="020B0604020202020204" pitchFamily="34" charset="0"/>
+                <a:cs typeface="Arial" panose="020B0604020202020204" pitchFamily="34" charset="0"/>
+              </a:rPr>
+              <a:t>” / ”</a:t>
+            </a:r>
+            <a:r>
+              <a:rPr lang="en-GB" sz="1600" b="1" dirty="0">
+                <a:latin typeface="Arial" panose="020B0604020202020204" pitchFamily="34" charset="0"/>
+                <a:cs typeface="Arial" panose="020B0604020202020204" pitchFamily="34" charset="0"/>
+              </a:rPr>
+              <a:t>MF</a:t>
+            </a:r>
+            <a:r>
+              <a:rPr lang="en-GB" sz="1600" dirty="0">
+                <a:latin typeface="Arial" panose="020B0604020202020204" pitchFamily="34" charset="0"/>
+                <a:cs typeface="Arial" panose="020B0604020202020204" pitchFamily="34" charset="0"/>
+              </a:rPr>
+              <a:t>” / ”</a:t>
+            </a:r>
+            <a:r>
+              <a:rPr lang="en-GB" sz="1600" b="1" dirty="0">
+                <a:latin typeface="Arial" panose="020B0604020202020204" pitchFamily="34" charset="0"/>
+                <a:cs typeface="Arial" panose="020B0604020202020204" pitchFamily="34" charset="0"/>
+              </a:rPr>
+              <a:t>HF</a:t>
+            </a:r>
+            <a:r>
+              <a:rPr lang="en-GB" sz="1600" dirty="0">
+                <a:latin typeface="Arial" panose="020B0604020202020204" pitchFamily="34" charset="0"/>
+                <a:cs typeface="Arial" panose="020B0604020202020204" pitchFamily="34" charset="0"/>
+              </a:rPr>
+              <a:t>” = low / mid / high bands (in seconds not Hz), respectively;  </a:t>
+            </a:r>
+          </a:p>
+          <a:p>
+            <a:pPr marL="285750" indent="-285750">
+              <a:spcBef>
+                <a:spcPts val="600"/>
+              </a:spcBef>
+              <a:buFont typeface="Arial" panose="020B0604020202020204" pitchFamily="34" charset="0"/>
+              <a:buChar char="•"/>
+            </a:pPr>
+            <a:r>
+              <a:rPr lang="en-GB" sz="1600" dirty="0">
+                <a:latin typeface="Arial" panose="020B0604020202020204" pitchFamily="34" charset="0"/>
+                <a:cs typeface="Arial" panose="020B0604020202020204" pitchFamily="34" charset="0"/>
+              </a:rPr>
+              <a:t>“</a:t>
+            </a:r>
+            <a:r>
+              <a:rPr lang="en-GB" sz="1600" b="1" dirty="0">
+                <a:latin typeface="Arial" panose="020B0604020202020204" pitchFamily="34" charset="0"/>
+                <a:cs typeface="Arial" panose="020B0604020202020204" pitchFamily="34" charset="0"/>
+              </a:rPr>
+              <a:t>Offline/Online</a:t>
+            </a:r>
+            <a:r>
+              <a:rPr lang="en-GB" sz="1600" dirty="0">
+                <a:latin typeface="Arial" panose="020B0604020202020204" pitchFamily="34" charset="0"/>
+                <a:cs typeface="Arial" panose="020B0604020202020204" pitchFamily="34" charset="0"/>
+              </a:rPr>
+              <a:t>”: Offline = data are loaded from file or generated; Online = data acquired from Arduino;</a:t>
+            </a:r>
+          </a:p>
+          <a:p>
+            <a:pPr marL="285750" indent="-285750">
+              <a:spcBef>
+                <a:spcPts val="600"/>
+              </a:spcBef>
+              <a:buFont typeface="Arial" panose="020B0604020202020204" pitchFamily="34" charset="0"/>
+              <a:buChar char="•"/>
+            </a:pPr>
+            <a:r>
+              <a:rPr lang="en-GB" sz="1600" dirty="0">
+                <a:latin typeface="Arial" panose="020B0604020202020204" pitchFamily="34" charset="0"/>
+                <a:cs typeface="Arial" panose="020B0604020202020204" pitchFamily="34" charset="0"/>
+              </a:rPr>
+              <a:t>“</a:t>
+            </a:r>
+            <a:r>
+              <a:rPr lang="en-GB" sz="1600" b="1" dirty="0">
+                <a:latin typeface="Arial" panose="020B0604020202020204" pitchFamily="34" charset="0"/>
+                <a:cs typeface="Arial" panose="020B0604020202020204" pitchFamily="34" charset="0"/>
+              </a:rPr>
+              <a:t>Start</a:t>
+            </a:r>
+            <a:r>
+              <a:rPr lang="en-GB" sz="1600" dirty="0">
+                <a:latin typeface="Arial" panose="020B0604020202020204" pitchFamily="34" charset="0"/>
+                <a:cs typeface="Arial" panose="020B0604020202020204" pitchFamily="34" charset="0"/>
+              </a:rPr>
+              <a:t>” = start acquisition; “</a:t>
+            </a:r>
+            <a:r>
+              <a:rPr lang="en-GB" sz="1600" b="1" dirty="0">
+                <a:latin typeface="Arial" panose="020B0604020202020204" pitchFamily="34" charset="0"/>
+                <a:cs typeface="Arial" panose="020B0604020202020204" pitchFamily="34" charset="0"/>
+              </a:rPr>
+              <a:t>Stop</a:t>
+            </a:r>
+            <a:r>
+              <a:rPr lang="en-GB" sz="1600" dirty="0">
+                <a:latin typeface="Arial" panose="020B0604020202020204" pitchFamily="34" charset="0"/>
+                <a:cs typeface="Arial" panose="020B0604020202020204" pitchFamily="34" charset="0"/>
+              </a:rPr>
+              <a:t>” = stop acquisition (script will be closed and data will be saved);</a:t>
+            </a:r>
+          </a:p>
+          <a:p>
+            <a:pPr marL="285750" indent="-285750">
+              <a:spcBef>
+                <a:spcPts val="600"/>
+              </a:spcBef>
+              <a:buFont typeface="Arial" panose="020B0604020202020204" pitchFamily="34" charset="0"/>
+              <a:buChar char="•"/>
+            </a:pPr>
+            <a:r>
+              <a:rPr lang="en-GB" sz="1600" dirty="0">
+                <a:latin typeface="Arial" panose="020B0604020202020204" pitchFamily="34" charset="0"/>
+                <a:cs typeface="Arial" panose="020B0604020202020204" pitchFamily="34" charset="0"/>
+              </a:rPr>
+              <a:t>“</a:t>
+            </a:r>
+            <a:r>
+              <a:rPr lang="en-GB" sz="1600" b="1" dirty="0">
+                <a:latin typeface="Arial" panose="020B0604020202020204" pitchFamily="34" charset="0"/>
+                <a:cs typeface="Arial" panose="020B0604020202020204" pitchFamily="34" charset="0"/>
+              </a:rPr>
+              <a:t>Update</a:t>
+            </a:r>
+            <a:r>
+              <a:rPr lang="en-GB" sz="1600" dirty="0">
+                <a:latin typeface="Arial" panose="020B0604020202020204" pitchFamily="34" charset="0"/>
+                <a:cs typeface="Arial" panose="020B0604020202020204" pitchFamily="34" charset="0"/>
+              </a:rPr>
+              <a:t>” = update parameters when script is running; parameters that can be updated “</a:t>
+            </a:r>
+            <a:r>
+              <a:rPr lang="en-GB" sz="1600" b="1" dirty="0" err="1">
+                <a:latin typeface="Arial" panose="020B0604020202020204" pitchFamily="34" charset="0"/>
+                <a:cs typeface="Arial" panose="020B0604020202020204" pitchFamily="34" charset="0"/>
+              </a:rPr>
+              <a:t>YLim</a:t>
+            </a:r>
+            <a:r>
+              <a:rPr lang="en-GB" sz="1600" dirty="0">
+                <a:latin typeface="Arial" panose="020B0604020202020204" pitchFamily="34" charset="0"/>
+                <a:cs typeface="Arial" panose="020B0604020202020204" pitchFamily="34" charset="0"/>
+              </a:rPr>
+              <a:t>“, “</a:t>
+            </a:r>
+            <a:r>
+              <a:rPr lang="en-GB" sz="1600" b="1" dirty="0">
+                <a:latin typeface="Arial" panose="020B0604020202020204" pitchFamily="34" charset="0"/>
+                <a:cs typeface="Arial" panose="020B0604020202020204" pitchFamily="34" charset="0"/>
+              </a:rPr>
+              <a:t>LF</a:t>
+            </a:r>
+            <a:r>
+              <a:rPr lang="en-GB" sz="1600" dirty="0">
+                <a:latin typeface="Arial" panose="020B0604020202020204" pitchFamily="34" charset="0"/>
+                <a:cs typeface="Arial" panose="020B0604020202020204" pitchFamily="34" charset="0"/>
+              </a:rPr>
+              <a:t>”, “</a:t>
+            </a:r>
+            <a:r>
+              <a:rPr lang="en-GB" sz="1600" b="1" dirty="0">
+                <a:latin typeface="Arial" panose="020B0604020202020204" pitchFamily="34" charset="0"/>
+                <a:cs typeface="Arial" panose="020B0604020202020204" pitchFamily="34" charset="0"/>
+              </a:rPr>
+              <a:t>MF</a:t>
+            </a:r>
+            <a:r>
+              <a:rPr lang="en-GB" sz="1600" dirty="0">
+                <a:latin typeface="Arial" panose="020B0604020202020204" pitchFamily="34" charset="0"/>
+                <a:cs typeface="Arial" panose="020B0604020202020204" pitchFamily="34" charset="0"/>
+              </a:rPr>
+              <a:t>”, “</a:t>
+            </a:r>
+            <a:r>
+              <a:rPr lang="en-GB" sz="1600" b="1" dirty="0">
+                <a:latin typeface="Arial" panose="020B0604020202020204" pitchFamily="34" charset="0"/>
+                <a:cs typeface="Arial" panose="020B0604020202020204" pitchFamily="34" charset="0"/>
+              </a:rPr>
+              <a:t>HF</a:t>
+            </a:r>
+            <a:r>
+              <a:rPr lang="en-GB" sz="1600" dirty="0">
+                <a:latin typeface="Arial" panose="020B0604020202020204" pitchFamily="34" charset="0"/>
+                <a:cs typeface="Arial" panose="020B0604020202020204" pitchFamily="34" charset="0"/>
+              </a:rPr>
+              <a:t>”.</a:t>
+            </a:r>
+          </a:p>
+        </p:txBody>
+      </p:sp>
+      <p:sp>
+        <p:nvSpPr>
+          <p:cNvPr id="20" name="Rectangle: Rounded Corners 19">
+            <a:extLst>
+              <a:ext uri="{FF2B5EF4-FFF2-40B4-BE49-F238E27FC236}">
+                <a16:creationId xmlns:a16="http://schemas.microsoft.com/office/drawing/2014/main" id="{06964CAD-3BCC-49CA-8CAB-3D9720B30291}"/>
+              </a:ext>
+            </a:extLst>
+          </p:cNvPr>
+          <p:cNvSpPr/>
+          <p:nvPr/>
+        </p:nvSpPr>
+        <p:spPr>
+          <a:xfrm>
+            <a:off x="7394287" y="310422"/>
+            <a:ext cx="4552888" cy="3249038"/>
+          </a:xfrm>
+          <a:prstGeom prst="roundRect">
+            <a:avLst>
+              <a:gd name="adj" fmla="val 6718"/>
+            </a:avLst>
+          </a:prstGeom>
+          <a:noFill/>
+          <a:ln w="34925">
+            <a:solidFill>
+              <a:schemeClr val="bg1">
+                <a:lumMod val="75000"/>
+              </a:schemeClr>
+            </a:solidFill>
+          </a:ln>
+        </p:spPr>
+        <p:style>
+          <a:lnRef idx="2">
+            <a:schemeClr val="accent1">
+              <a:shade val="50000"/>
+            </a:schemeClr>
+          </a:lnRef>
+          <a:fillRef idx="1">
+            <a:schemeClr val="accent1"/>
+          </a:fillRef>
+          <a:effectRef idx="0">
+            <a:schemeClr val="accent1"/>
+          </a:effectRef>
+          <a:fontRef idx="minor">
+            <a:schemeClr val="lt1"/>
+          </a:fontRef>
+        </p:style>
+        <p:txBody>
+          <a:bodyPr rtlCol="0" anchor="ctr"/>
+          <a:lstStyle/>
+          <a:p>
+            <a:pPr>
+              <a:spcBef>
+                <a:spcPts val="600"/>
+              </a:spcBef>
+            </a:pPr>
+            <a:r>
+              <a:rPr lang="en-GB" sz="1600" b="1" dirty="0">
+                <a:solidFill>
+                  <a:schemeClr val="tx1"/>
+                </a:solidFill>
+                <a:latin typeface="Arial" panose="020B0604020202020204" pitchFamily="34" charset="0"/>
+                <a:cs typeface="Arial" panose="020B0604020202020204" pitchFamily="34" charset="0"/>
+              </a:rPr>
+              <a:t>How to operate</a:t>
+            </a:r>
+          </a:p>
+          <a:p>
+            <a:pPr marL="285750" indent="-285750">
+              <a:spcBef>
+                <a:spcPts val="600"/>
+              </a:spcBef>
+              <a:buFont typeface="Arial" panose="020B0604020202020204" pitchFamily="34" charset="0"/>
+              <a:buChar char="•"/>
+            </a:pPr>
+            <a:r>
+              <a:rPr lang="en-GB" sz="1600" dirty="0">
+                <a:solidFill>
+                  <a:schemeClr val="tx1"/>
+                </a:solidFill>
+                <a:latin typeface="Arial" panose="020B0604020202020204" pitchFamily="34" charset="0"/>
+                <a:cs typeface="Arial" panose="020B0604020202020204" pitchFamily="34" charset="0"/>
+              </a:rPr>
+              <a:t>Change parameters “</a:t>
+            </a:r>
+            <a:r>
+              <a:rPr lang="en-GB" sz="1600" b="1" dirty="0">
+                <a:solidFill>
+                  <a:schemeClr val="tx1"/>
+                </a:solidFill>
+                <a:latin typeface="Arial" panose="020B0604020202020204" pitchFamily="34" charset="0"/>
+                <a:cs typeface="Arial" panose="020B0604020202020204" pitchFamily="34" charset="0"/>
+              </a:rPr>
+              <a:t>LF</a:t>
+            </a:r>
+            <a:r>
+              <a:rPr lang="en-GB" sz="1600" dirty="0">
+                <a:solidFill>
+                  <a:schemeClr val="tx1"/>
+                </a:solidFill>
+                <a:latin typeface="Arial" panose="020B0604020202020204" pitchFamily="34" charset="0"/>
+                <a:cs typeface="Arial" panose="020B0604020202020204" pitchFamily="34" charset="0"/>
+              </a:rPr>
+              <a:t>” / ”</a:t>
+            </a:r>
+            <a:r>
+              <a:rPr lang="en-GB" sz="1600" b="1" dirty="0">
+                <a:solidFill>
+                  <a:schemeClr val="tx1"/>
+                </a:solidFill>
+                <a:latin typeface="Arial" panose="020B0604020202020204" pitchFamily="34" charset="0"/>
+                <a:cs typeface="Arial" panose="020B0604020202020204" pitchFamily="34" charset="0"/>
+              </a:rPr>
+              <a:t>MF</a:t>
+            </a:r>
+            <a:r>
+              <a:rPr lang="en-GB" sz="1600" dirty="0">
+                <a:solidFill>
+                  <a:schemeClr val="tx1"/>
+                </a:solidFill>
+                <a:latin typeface="Arial" panose="020B0604020202020204" pitchFamily="34" charset="0"/>
+                <a:cs typeface="Arial" panose="020B0604020202020204" pitchFamily="34" charset="0"/>
+              </a:rPr>
+              <a:t>” / ”</a:t>
+            </a:r>
+            <a:r>
+              <a:rPr lang="en-GB" sz="1600" b="1" dirty="0">
+                <a:solidFill>
+                  <a:schemeClr val="tx1"/>
+                </a:solidFill>
+                <a:latin typeface="Arial" panose="020B0604020202020204" pitchFamily="34" charset="0"/>
+                <a:cs typeface="Arial" panose="020B0604020202020204" pitchFamily="34" charset="0"/>
+              </a:rPr>
+              <a:t>HF</a:t>
+            </a:r>
+            <a:r>
+              <a:rPr lang="en-GB" sz="1600" dirty="0">
+                <a:solidFill>
+                  <a:schemeClr val="tx1"/>
+                </a:solidFill>
+                <a:latin typeface="Arial" panose="020B0604020202020204" pitchFamily="34" charset="0"/>
+                <a:cs typeface="Arial" panose="020B0604020202020204" pitchFamily="34" charset="0"/>
+              </a:rPr>
+              <a:t>” (bands), “</a:t>
+            </a:r>
+            <a:r>
+              <a:rPr lang="en-GB" sz="1600" b="1" dirty="0">
+                <a:solidFill>
+                  <a:schemeClr val="tx1"/>
+                </a:solidFill>
+                <a:latin typeface="Arial" panose="020B0604020202020204" pitchFamily="34" charset="0"/>
+                <a:cs typeface="Arial" panose="020B0604020202020204" pitchFamily="34" charset="0"/>
+              </a:rPr>
+              <a:t>Load Data</a:t>
+            </a:r>
+            <a:r>
+              <a:rPr lang="en-GB" sz="1600" dirty="0">
+                <a:solidFill>
+                  <a:schemeClr val="tx1"/>
+                </a:solidFill>
+                <a:latin typeface="Arial" panose="020B0604020202020204" pitchFamily="34" charset="0"/>
+                <a:cs typeface="Arial" panose="020B0604020202020204" pitchFamily="34" charset="0"/>
+              </a:rPr>
+              <a:t>” (if offline mode), “</a:t>
+            </a:r>
+            <a:r>
+              <a:rPr lang="en-GB" sz="1600" b="1" dirty="0" err="1">
+                <a:solidFill>
+                  <a:schemeClr val="tx1"/>
+                </a:solidFill>
+                <a:latin typeface="Arial" panose="020B0604020202020204" pitchFamily="34" charset="0"/>
+                <a:cs typeface="Arial" panose="020B0604020202020204" pitchFamily="34" charset="0"/>
+              </a:rPr>
+              <a:t>BufLen</a:t>
+            </a:r>
+            <a:r>
+              <a:rPr lang="en-GB" sz="1600" dirty="0">
+                <a:solidFill>
+                  <a:schemeClr val="tx1"/>
+                </a:solidFill>
+                <a:latin typeface="Arial" panose="020B0604020202020204" pitchFamily="34" charset="0"/>
+                <a:cs typeface="Arial" panose="020B0604020202020204" pitchFamily="34" charset="0"/>
+              </a:rPr>
+              <a:t>” (buffer length) if necessary;</a:t>
+            </a:r>
+          </a:p>
+          <a:p>
+            <a:pPr marL="285750" indent="-285750">
+              <a:spcBef>
+                <a:spcPts val="600"/>
+              </a:spcBef>
+              <a:buFont typeface="Arial" panose="020B0604020202020204" pitchFamily="34" charset="0"/>
+              <a:buChar char="•"/>
+            </a:pPr>
+            <a:r>
+              <a:rPr lang="en-GB" sz="1600" dirty="0">
+                <a:solidFill>
+                  <a:schemeClr val="tx1"/>
+                </a:solidFill>
+                <a:latin typeface="Arial" panose="020B0604020202020204" pitchFamily="34" charset="0"/>
+                <a:cs typeface="Arial" panose="020B0604020202020204" pitchFamily="34" charset="0"/>
+              </a:rPr>
+              <a:t>Select mode “</a:t>
+            </a:r>
+            <a:r>
+              <a:rPr lang="en-GB" sz="1600" b="1" dirty="0">
+                <a:solidFill>
+                  <a:schemeClr val="tx1"/>
+                </a:solidFill>
+                <a:latin typeface="Arial" panose="020B0604020202020204" pitchFamily="34" charset="0"/>
+                <a:cs typeface="Arial" panose="020B0604020202020204" pitchFamily="34" charset="0"/>
+              </a:rPr>
+              <a:t>Offline</a:t>
+            </a:r>
+            <a:r>
+              <a:rPr lang="en-GB" sz="1600" dirty="0">
+                <a:solidFill>
+                  <a:schemeClr val="tx1"/>
+                </a:solidFill>
+                <a:latin typeface="Arial" panose="020B0604020202020204" pitchFamily="34" charset="0"/>
+                <a:cs typeface="Arial" panose="020B0604020202020204" pitchFamily="34" charset="0"/>
+              </a:rPr>
+              <a:t>” or “</a:t>
+            </a:r>
+            <a:r>
+              <a:rPr lang="en-GB" sz="1600" b="1" dirty="0">
+                <a:solidFill>
+                  <a:schemeClr val="tx1"/>
+                </a:solidFill>
+                <a:latin typeface="Arial" panose="020B0604020202020204" pitchFamily="34" charset="0"/>
+                <a:cs typeface="Arial" panose="020B0604020202020204" pitchFamily="34" charset="0"/>
+              </a:rPr>
+              <a:t>Online</a:t>
+            </a:r>
+            <a:r>
+              <a:rPr lang="en-GB" sz="1600" dirty="0">
+                <a:solidFill>
+                  <a:schemeClr val="tx1"/>
+                </a:solidFill>
+                <a:latin typeface="Arial" panose="020B0604020202020204" pitchFamily="34" charset="0"/>
+                <a:cs typeface="Arial" panose="020B0604020202020204" pitchFamily="34" charset="0"/>
+              </a:rPr>
+              <a:t>”;</a:t>
+            </a:r>
+          </a:p>
+          <a:p>
+            <a:pPr marL="285750" indent="-285750">
+              <a:spcBef>
+                <a:spcPts val="600"/>
+              </a:spcBef>
+              <a:buFont typeface="Arial" panose="020B0604020202020204" pitchFamily="34" charset="0"/>
+              <a:buChar char="•"/>
+            </a:pPr>
+            <a:r>
+              <a:rPr lang="en-GB" sz="1600" dirty="0">
+                <a:solidFill>
+                  <a:schemeClr val="tx1"/>
+                </a:solidFill>
+                <a:latin typeface="Arial" panose="020B0604020202020204" pitchFamily="34" charset="0"/>
+                <a:cs typeface="Arial" panose="020B0604020202020204" pitchFamily="34" charset="0"/>
+              </a:rPr>
+              <a:t>Press “</a:t>
+            </a:r>
+            <a:r>
+              <a:rPr lang="en-GB" sz="1600" b="1" dirty="0">
+                <a:solidFill>
+                  <a:schemeClr val="tx1"/>
+                </a:solidFill>
+                <a:latin typeface="Arial" panose="020B0604020202020204" pitchFamily="34" charset="0"/>
+                <a:cs typeface="Arial" panose="020B0604020202020204" pitchFamily="34" charset="0"/>
+              </a:rPr>
+              <a:t>Start</a:t>
+            </a:r>
+            <a:r>
+              <a:rPr lang="en-GB" sz="1600" dirty="0">
+                <a:solidFill>
+                  <a:schemeClr val="tx1"/>
+                </a:solidFill>
+                <a:latin typeface="Arial" panose="020B0604020202020204" pitchFamily="34" charset="0"/>
+                <a:cs typeface="Arial" panose="020B0604020202020204" pitchFamily="34" charset="0"/>
+              </a:rPr>
+              <a:t>” to start acquisition;</a:t>
+            </a:r>
+          </a:p>
+          <a:p>
+            <a:pPr marL="285750" indent="-285750">
+              <a:spcBef>
+                <a:spcPts val="600"/>
+              </a:spcBef>
+              <a:buFont typeface="Arial" panose="020B0604020202020204" pitchFamily="34" charset="0"/>
+              <a:buChar char="•"/>
+            </a:pPr>
+            <a:r>
+              <a:rPr lang="en-GB" sz="1600" dirty="0">
+                <a:solidFill>
+                  <a:schemeClr val="tx1"/>
+                </a:solidFill>
+                <a:latin typeface="Arial" panose="020B0604020202020204" pitchFamily="34" charset="0"/>
+                <a:cs typeface="Arial" panose="020B0604020202020204" pitchFamily="34" charset="0"/>
+              </a:rPr>
+              <a:t>Press “</a:t>
+            </a:r>
+            <a:r>
+              <a:rPr lang="en-GB" sz="1600" b="1" dirty="0">
+                <a:solidFill>
+                  <a:schemeClr val="tx1"/>
+                </a:solidFill>
+                <a:latin typeface="Arial" panose="020B0604020202020204" pitchFamily="34" charset="0"/>
+                <a:cs typeface="Arial" panose="020B0604020202020204" pitchFamily="34" charset="0"/>
+              </a:rPr>
+              <a:t>Update</a:t>
+            </a:r>
+            <a:r>
+              <a:rPr lang="en-GB" sz="1600" dirty="0">
+                <a:solidFill>
+                  <a:schemeClr val="tx1"/>
+                </a:solidFill>
+                <a:latin typeface="Arial" panose="020B0604020202020204" pitchFamily="34" charset="0"/>
+                <a:cs typeface="Arial" panose="020B0604020202020204" pitchFamily="34" charset="0"/>
+              </a:rPr>
+              <a:t>” to update parameters “</a:t>
+            </a:r>
+            <a:r>
+              <a:rPr lang="en-GB" sz="1600" b="1" dirty="0">
+                <a:solidFill>
+                  <a:schemeClr val="tx1"/>
+                </a:solidFill>
+                <a:latin typeface="Arial" panose="020B0604020202020204" pitchFamily="34" charset="0"/>
+                <a:cs typeface="Arial" panose="020B0604020202020204" pitchFamily="34" charset="0"/>
+              </a:rPr>
+              <a:t>LF</a:t>
+            </a:r>
+            <a:r>
+              <a:rPr lang="en-GB" sz="1600" dirty="0">
+                <a:solidFill>
+                  <a:schemeClr val="tx1"/>
+                </a:solidFill>
+                <a:latin typeface="Arial" panose="020B0604020202020204" pitchFamily="34" charset="0"/>
+                <a:cs typeface="Arial" panose="020B0604020202020204" pitchFamily="34" charset="0"/>
+              </a:rPr>
+              <a:t>” / ”</a:t>
+            </a:r>
+            <a:r>
+              <a:rPr lang="en-GB" sz="1600" b="1" dirty="0">
+                <a:solidFill>
+                  <a:schemeClr val="tx1"/>
+                </a:solidFill>
+                <a:latin typeface="Arial" panose="020B0604020202020204" pitchFamily="34" charset="0"/>
+                <a:cs typeface="Arial" panose="020B0604020202020204" pitchFamily="34" charset="0"/>
+              </a:rPr>
+              <a:t>MF</a:t>
+            </a:r>
+            <a:r>
+              <a:rPr lang="en-GB" sz="1600" dirty="0">
+                <a:solidFill>
+                  <a:schemeClr val="tx1"/>
+                </a:solidFill>
+                <a:latin typeface="Arial" panose="020B0604020202020204" pitchFamily="34" charset="0"/>
+                <a:cs typeface="Arial" panose="020B0604020202020204" pitchFamily="34" charset="0"/>
+              </a:rPr>
+              <a:t>” / ”</a:t>
+            </a:r>
+            <a:r>
+              <a:rPr lang="en-GB" sz="1600" b="1" dirty="0">
+                <a:solidFill>
+                  <a:schemeClr val="tx1"/>
+                </a:solidFill>
+                <a:latin typeface="Arial" panose="020B0604020202020204" pitchFamily="34" charset="0"/>
+                <a:cs typeface="Arial" panose="020B0604020202020204" pitchFamily="34" charset="0"/>
+              </a:rPr>
+              <a:t>HF</a:t>
+            </a:r>
+            <a:r>
+              <a:rPr lang="en-GB" sz="1600" dirty="0">
+                <a:solidFill>
+                  <a:schemeClr val="tx1"/>
+                </a:solidFill>
+                <a:latin typeface="Arial" panose="020B0604020202020204" pitchFamily="34" charset="0"/>
+                <a:cs typeface="Arial" panose="020B0604020202020204" pitchFamily="34" charset="0"/>
+              </a:rPr>
+              <a:t>” (bands) and “</a:t>
+            </a:r>
+            <a:r>
+              <a:rPr lang="en-GB" sz="1600" b="1" dirty="0" err="1">
+                <a:solidFill>
+                  <a:schemeClr val="tx1"/>
+                </a:solidFill>
+                <a:latin typeface="Arial" panose="020B0604020202020204" pitchFamily="34" charset="0"/>
+                <a:cs typeface="Arial" panose="020B0604020202020204" pitchFamily="34" charset="0"/>
+              </a:rPr>
+              <a:t>YLim</a:t>
+            </a:r>
+            <a:r>
+              <a:rPr lang="en-GB" sz="1600" dirty="0">
+                <a:solidFill>
+                  <a:schemeClr val="tx1"/>
+                </a:solidFill>
+                <a:latin typeface="Arial" panose="020B0604020202020204" pitchFamily="34" charset="0"/>
+                <a:cs typeface="Arial" panose="020B0604020202020204" pitchFamily="34" charset="0"/>
+              </a:rPr>
+              <a:t>” (scale of </a:t>
+            </a:r>
+            <a:r>
+              <a:rPr lang="en-GB" sz="1600" dirty="0" err="1">
+                <a:solidFill>
+                  <a:schemeClr val="tx1"/>
+                </a:solidFill>
+                <a:latin typeface="Arial" panose="020B0604020202020204" pitchFamily="34" charset="0"/>
+                <a:cs typeface="Arial" panose="020B0604020202020204" pitchFamily="34" charset="0"/>
+              </a:rPr>
+              <a:t>interbeat</a:t>
+            </a:r>
+            <a:r>
+              <a:rPr lang="en-GB" sz="1600" dirty="0">
+                <a:solidFill>
+                  <a:schemeClr val="tx1"/>
+                </a:solidFill>
+                <a:latin typeface="Arial" panose="020B0604020202020204" pitchFamily="34" charset="0"/>
+                <a:cs typeface="Arial" panose="020B0604020202020204" pitchFamily="34" charset="0"/>
+              </a:rPr>
+              <a:t> intervals (IBI)) if necessary; </a:t>
+            </a:r>
+          </a:p>
+          <a:p>
+            <a:pPr marL="285750" indent="-285750">
+              <a:spcBef>
+                <a:spcPts val="600"/>
+              </a:spcBef>
+              <a:buFont typeface="Arial" panose="020B0604020202020204" pitchFamily="34" charset="0"/>
+              <a:buChar char="•"/>
+            </a:pPr>
+            <a:r>
+              <a:rPr lang="en-GB" sz="1600" dirty="0">
+                <a:solidFill>
+                  <a:schemeClr val="tx1"/>
+                </a:solidFill>
+                <a:latin typeface="Arial" panose="020B0604020202020204" pitchFamily="34" charset="0"/>
+                <a:cs typeface="Arial" panose="020B0604020202020204" pitchFamily="34" charset="0"/>
+              </a:rPr>
+              <a:t>Press “</a:t>
+            </a:r>
+            <a:r>
+              <a:rPr lang="en-GB" sz="1600" b="1" dirty="0">
+                <a:solidFill>
+                  <a:schemeClr val="tx1"/>
+                </a:solidFill>
+                <a:latin typeface="Arial" panose="020B0604020202020204" pitchFamily="34" charset="0"/>
+                <a:cs typeface="Arial" panose="020B0604020202020204" pitchFamily="34" charset="0"/>
+              </a:rPr>
+              <a:t>Stop</a:t>
+            </a:r>
+            <a:r>
+              <a:rPr lang="en-GB" sz="1600" dirty="0">
+                <a:solidFill>
+                  <a:schemeClr val="tx1"/>
+                </a:solidFill>
+                <a:latin typeface="Arial" panose="020B0604020202020204" pitchFamily="34" charset="0"/>
+                <a:cs typeface="Arial" panose="020B0604020202020204" pitchFamily="34" charset="0"/>
+              </a:rPr>
+              <a:t>” to finish data acquisition and save data;</a:t>
+            </a:r>
+          </a:p>
+        </p:txBody>
+      </p:sp>
+      <p:pic>
+        <p:nvPicPr>
+          <p:cNvPr id="12" name="Picture 11">
+            <a:extLst>
+              <a:ext uri="{FF2B5EF4-FFF2-40B4-BE49-F238E27FC236}">
+                <a16:creationId xmlns:a16="http://schemas.microsoft.com/office/drawing/2014/main" id="{612C7323-AFBA-4B5A-A6F7-8E49D3FFEDA1}"/>
+              </a:ext>
+            </a:extLst>
+          </p:cNvPr>
+          <p:cNvPicPr>
+            <a:picLocks noChangeAspect="1"/>
+          </p:cNvPicPr>
+          <p:nvPr/>
+        </p:nvPicPr>
+        <p:blipFill rotWithShape="1">
+          <a:blip r:embed="rId3"/>
+          <a:srcRect t="62129"/>
+          <a:stretch/>
+        </p:blipFill>
+        <p:spPr>
+          <a:xfrm>
+            <a:off x="324659" y="2174573"/>
+            <a:ext cx="5734050" cy="1132672"/>
+          </a:xfrm>
+          <a:prstGeom prst="rect">
+            <a:avLst/>
+          </a:prstGeom>
+        </p:spPr>
+      </p:pic>
+    </p:spTree>
+    <p:extLst>
+      <p:ext uri="{BB962C8B-B14F-4D97-AF65-F5344CB8AC3E}">
+        <p14:creationId xmlns:p14="http://schemas.microsoft.com/office/powerpoint/2010/main" val="418054546"/>
       </p:ext>
     </p:extLst>
   </p:cSld>
